--- a/[Blueprint]/Game Blueprint.pptx
+++ b/[Blueprint]/Game Blueprint.pptx
@@ -243,7 +243,7 @@
           <a:p>
             <a:fld id="{777F1640-21BD-403C-80CF-F9227BF1912C}" type="datetimeFigureOut">
               <a:rPr lang="en-US" smtClean="0"/>
-              <a:t>11/23/2017</a:t>
+              <a:t>11/24/2017</a:t>
             </a:fld>
             <a:endParaRPr lang="en-US"/>
           </a:p>
@@ -413,7 +413,7 @@
           <a:p>
             <a:fld id="{777F1640-21BD-403C-80CF-F9227BF1912C}" type="datetimeFigureOut">
               <a:rPr lang="en-US" smtClean="0"/>
-              <a:t>11/23/2017</a:t>
+              <a:t>11/24/2017</a:t>
             </a:fld>
             <a:endParaRPr lang="en-US"/>
           </a:p>
@@ -593,7 +593,7 @@
           <a:p>
             <a:fld id="{777F1640-21BD-403C-80CF-F9227BF1912C}" type="datetimeFigureOut">
               <a:rPr lang="en-US" smtClean="0"/>
-              <a:t>11/23/2017</a:t>
+              <a:t>11/24/2017</a:t>
             </a:fld>
             <a:endParaRPr lang="en-US"/>
           </a:p>
@@ -763,7 +763,7 @@
           <a:p>
             <a:fld id="{777F1640-21BD-403C-80CF-F9227BF1912C}" type="datetimeFigureOut">
               <a:rPr lang="en-US" smtClean="0"/>
-              <a:t>11/23/2017</a:t>
+              <a:t>11/24/2017</a:t>
             </a:fld>
             <a:endParaRPr lang="en-US"/>
           </a:p>
@@ -1009,7 +1009,7 @@
           <a:p>
             <a:fld id="{777F1640-21BD-403C-80CF-F9227BF1912C}" type="datetimeFigureOut">
               <a:rPr lang="en-US" smtClean="0"/>
-              <a:t>11/23/2017</a:t>
+              <a:t>11/24/2017</a:t>
             </a:fld>
             <a:endParaRPr lang="en-US"/>
           </a:p>
@@ -1241,7 +1241,7 @@
           <a:p>
             <a:fld id="{777F1640-21BD-403C-80CF-F9227BF1912C}" type="datetimeFigureOut">
               <a:rPr lang="en-US" smtClean="0"/>
-              <a:t>11/23/2017</a:t>
+              <a:t>11/24/2017</a:t>
             </a:fld>
             <a:endParaRPr lang="en-US"/>
           </a:p>
@@ -1608,7 +1608,7 @@
           <a:p>
             <a:fld id="{777F1640-21BD-403C-80CF-F9227BF1912C}" type="datetimeFigureOut">
               <a:rPr lang="en-US" smtClean="0"/>
-              <a:t>11/23/2017</a:t>
+              <a:t>11/24/2017</a:t>
             </a:fld>
             <a:endParaRPr lang="en-US"/>
           </a:p>
@@ -1726,7 +1726,7 @@
           <a:p>
             <a:fld id="{777F1640-21BD-403C-80CF-F9227BF1912C}" type="datetimeFigureOut">
               <a:rPr lang="en-US" smtClean="0"/>
-              <a:t>11/23/2017</a:t>
+              <a:t>11/24/2017</a:t>
             </a:fld>
             <a:endParaRPr lang="en-US"/>
           </a:p>
@@ -1821,7 +1821,7 @@
           <a:p>
             <a:fld id="{777F1640-21BD-403C-80CF-F9227BF1912C}" type="datetimeFigureOut">
               <a:rPr lang="en-US" smtClean="0"/>
-              <a:t>11/23/2017</a:t>
+              <a:t>11/24/2017</a:t>
             </a:fld>
             <a:endParaRPr lang="en-US"/>
           </a:p>
@@ -2098,7 +2098,7 @@
           <a:p>
             <a:fld id="{777F1640-21BD-403C-80CF-F9227BF1912C}" type="datetimeFigureOut">
               <a:rPr lang="en-US" smtClean="0"/>
-              <a:t>11/23/2017</a:t>
+              <a:t>11/24/2017</a:t>
             </a:fld>
             <a:endParaRPr lang="en-US"/>
           </a:p>
@@ -2355,7 +2355,7 @@
           <a:p>
             <a:fld id="{777F1640-21BD-403C-80CF-F9227BF1912C}" type="datetimeFigureOut">
               <a:rPr lang="en-US" smtClean="0"/>
-              <a:t>11/23/2017</a:t>
+              <a:t>11/24/2017</a:t>
             </a:fld>
             <a:endParaRPr lang="en-US"/>
           </a:p>
@@ -2568,7 +2568,7 @@
           <a:p>
             <a:fld id="{777F1640-21BD-403C-80CF-F9227BF1912C}" type="datetimeFigureOut">
               <a:rPr lang="en-US" smtClean="0"/>
-              <a:t>11/23/2017</a:t>
+              <a:t>11/24/2017</a:t>
             </a:fld>
             <a:endParaRPr lang="en-US"/>
           </a:p>
@@ -3099,7 +3099,7 @@
         <p:spPr>
           <a:xfrm>
             <a:off x="8358553" y="668280"/>
-            <a:ext cx="9015048" cy="2862322"/>
+            <a:ext cx="9015048" cy="923330"/>
           </a:xfrm>
           <a:prstGeom prst="rect">
             <a:avLst/>
@@ -3117,12 +3117,9 @@
           </a:bodyPr>
           <a:lstStyle/>
           <a:p>
-            <a:pPr marL="342900" indent="-342900">
-              <a:buAutoNum type="arabicPeriod"/>
-            </a:pPr>
-            <a:r>
-              <a:rPr lang="en-US" smtClean="0"/>
-              <a:t>Algo-Ride </a:t>
+            <a:r>
+              <a:rPr lang="en-US" smtClean="0"/>
+              <a:t>1.  Algo-Ride </a:t>
             </a:r>
             <a:r>
               <a:rPr lang="en-US"/>
@@ -3138,92 +3135,8 @@
             </a:r>
             <a:r>
               <a:rPr lang="en-US" smtClean="0"/>
-              <a:t>[3 to 10] Energy / - [10% to 40%] Fuel</a:t>
-            </a:r>
-            <a:r>
-              <a:rPr lang="en-US" smtClean="0"/>
-              <a:t>)</a:t>
-            </a:r>
-          </a:p>
-          <a:p>
-            <a:r>
-              <a:rPr lang="en-US" smtClean="0"/>
-              <a:t>	chance  &lt;= 20% and gender == “F” and attractiveness &gt;= 50% : girls date</a:t>
-            </a:r>
-          </a:p>
-          <a:p>
-            <a:r>
-              <a:rPr lang="en-US"/>
-              <a:t>	chance  </a:t>
-            </a:r>
-            <a:r>
-              <a:rPr lang="en-US"/>
-              <a:t>&lt;= </a:t>
-            </a:r>
-            <a:r>
-              <a:rPr lang="en-US" smtClean="0"/>
-              <a:t>40%:	//begal</a:t>
-            </a:r>
-          </a:p>
-          <a:p>
-            <a:r>
-              <a:rPr lang="en-US"/>
-              <a:t>	</a:t>
-            </a:r>
-            <a:r>
-              <a:rPr lang="en-US" smtClean="0"/>
-              <a:t>	muscleStrength &gt;= 50% : survive</a:t>
-            </a:r>
-          </a:p>
-          <a:p>
-            <a:r>
-              <a:rPr lang="en-US" smtClean="0"/>
-              <a:t>		else : lose money</a:t>
-            </a:r>
-          </a:p>
-          <a:p>
-            <a:r>
-              <a:rPr lang="en-US"/>
-              <a:t>	chance  </a:t>
-            </a:r>
-            <a:r>
-              <a:rPr lang="en-US"/>
-              <a:t>&lt;= </a:t>
-            </a:r>
-            <a:r>
-              <a:rPr lang="en-US"/>
-              <a:t>5</a:t>
-            </a:r>
-            <a:r>
-              <a:rPr lang="en-US" smtClean="0"/>
-              <a:t>0</a:t>
-            </a:r>
-            <a:r>
-              <a:rPr lang="en-US"/>
-              <a:t>% </a:t>
-            </a:r>
-            <a:r>
-              <a:rPr lang="en-US" smtClean="0"/>
-              <a:t>: //crash</a:t>
-            </a:r>
-          </a:p>
-          <a:p>
-            <a:r>
-              <a:rPr lang="en-US"/>
-              <a:t>	</a:t>
-            </a:r>
-            <a:r>
-              <a:rPr lang="en-US" smtClean="0"/>
-              <a:t>	attractiveness –random</a:t>
-            </a:r>
-            <a:endParaRPr lang="en-US" smtClean="0"/>
-          </a:p>
-          <a:p>
-            <a:r>
-              <a:rPr lang="en-US" smtClean="0"/>
-              <a:t>		motorcycle state -random</a:t>
-            </a:r>
-            <a:endParaRPr lang="en-US" smtClean="0"/>
+              <a:t>[3 to 10] Energy / - [10% to 40%] Fuel)</a:t>
+            </a:r>
           </a:p>
           <a:p>
             <a:r>
@@ -3232,7 +3145,15 @@
             </a:r>
             <a:r>
               <a:rPr lang="en-US" smtClean="0"/>
-              <a:t>. Algo-Send		</a:t>
+              <a:t>. </a:t>
+            </a:r>
+            <a:r>
+              <a:rPr lang="en-US" smtClean="0"/>
+              <a:t> Algo-Send</a:t>
+            </a:r>
+            <a:r>
+              <a:rPr lang="en-US" smtClean="0"/>
+              <a:t>		</a:t>
             </a:r>
             <a:r>
               <a:rPr lang="en-US"/>
@@ -3287,7 +3208,15 @@
           <a:p>
             <a:r>
               <a:rPr lang="en-US" smtClean="0"/>
-              <a:t>3. Algo-Food		</a:t>
+              <a:t>3</a:t>
+            </a:r>
+            <a:r>
+              <a:rPr lang="en-US" smtClean="0"/>
+              <a:t>.  </a:t>
+            </a:r>
+            <a:r>
+              <a:rPr lang="en-US" smtClean="0"/>
+              <a:t>Algo-Food		</a:t>
             </a:r>
             <a:r>
               <a:rPr lang="en-US"/>
@@ -3663,8 +3592,8 @@
         </p:nvCxnSpPr>
         <p:spPr>
           <a:xfrm flipV="1">
-            <a:off x="5565392" y="2099441"/>
-            <a:ext cx="2793161" cy="4084466"/>
+            <a:off x="5565392" y="1129945"/>
+            <a:ext cx="2793161" cy="5053962"/>
           </a:xfrm>
           <a:prstGeom prst="straightConnector1">
             <a:avLst/>
